--- a/Introduction-to-R-dataAnalysis.pptx
+++ b/Introduction-to-R-dataAnalysis.pptx
@@ -9824,6 +9824,55 @@
               <a:t>. " O'Reilly Media, Inc.".</a:t>
             </a:r>
           </a:p>
+          <a:p>
+            <a:pPr>
+              <a:lnSpc>
+                <a:spcPct val="100000"/>
+              </a:lnSpc>
+              <a:spcBef>
+                <a:spcPts val="600"/>
+              </a:spcBef>
+              <a:spcAft>
+                <a:spcPts val="1200"/>
+              </a:spcAft>
+            </a:pPr>
+            <a:endParaRPr lang="en-GB" dirty="0"/>
+          </a:p>
+          <a:p>
+            <a:pPr>
+              <a:lnSpc>
+                <a:spcPct val="100000"/>
+              </a:lnSpc>
+              <a:spcBef>
+                <a:spcPts val="600"/>
+              </a:spcBef>
+              <a:spcAft>
+                <a:spcPts val="1200"/>
+              </a:spcAft>
+            </a:pPr>
+            <a:r>
+              <a:rPr lang="en-GB" i="1" dirty="0"/>
+              <a:t>Introduction to </a:t>
+            </a:r>
+            <a:r>
+              <a:rPr lang="en-GB" i="1" dirty="0" err="1"/>
+              <a:t>data.table</a:t>
+            </a:r>
+            <a:r>
+              <a:rPr lang="en-GB" dirty="0"/>
+              <a:t>. (2018). </a:t>
+            </a:r>
+            <a:r>
+              <a:rPr lang="en-GB" dirty="0">
+                <a:hlinkClick r:id="rId2"/>
+              </a:rPr>
+              <a:t>https://cran.r-project.org/web/packages/data.table/vignettes/datatable-intro.html</a:t>
+            </a:r>
+            <a:r>
+              <a:rPr lang="en-GB" dirty="0"/>
+              <a:t> </a:t>
+            </a:r>
+          </a:p>
         </p:txBody>
       </p:sp>
       <p:sp>
@@ -9887,7 +9936,7 @@
           <p:nvPr/>
         </p:nvPicPr>
         <p:blipFill>
-          <a:blip r:embed="rId2">
+          <a:blip r:embed="rId3">
             <a:extLst>
               <a:ext uri="{28A0092B-C50C-407E-A947-70E740481C1C}">
                 <a14:useLocalDpi xmlns:a14="http://schemas.microsoft.com/office/drawing/2010/main" val="0"/>
@@ -9934,7 +9983,7 @@
           <p:nvPr/>
         </p:nvPicPr>
         <p:blipFill>
-          <a:blip r:embed="rId3">
+          <a:blip r:embed="rId4">
             <a:extLst>
               <a:ext uri="{28A0092B-C50C-407E-A947-70E740481C1C}">
                 <a14:useLocalDpi xmlns:a14="http://schemas.microsoft.com/office/drawing/2010/main" val="0"/>
@@ -9964,6 +10013,36 @@
               </a14:hiddenFill>
             </a:ext>
           </a:extLst>
+        </p:spPr>
+      </p:pic>
+      <p:pic>
+        <p:nvPicPr>
+          <p:cNvPr id="3" name="Picture 2">
+            <a:extLst>
+              <a:ext uri="{FF2B5EF4-FFF2-40B4-BE49-F238E27FC236}">
+                <a16:creationId xmlns:a16="http://schemas.microsoft.com/office/drawing/2014/main" id="{0E0C5BF6-32B3-4149-9483-8887852F273D}"/>
+              </a:ext>
+            </a:extLst>
+          </p:cNvPr>
+          <p:cNvPicPr>
+            <a:picLocks noChangeAspect="1"/>
+          </p:cNvPicPr>
+          <p:nvPr/>
+        </p:nvPicPr>
+        <p:blipFill>
+          <a:blip r:embed="rId5"/>
+          <a:stretch>
+            <a:fillRect/>
+          </a:stretch>
+        </p:blipFill>
+        <p:spPr>
+          <a:xfrm>
+            <a:off x="315911" y="4200900"/>
+            <a:ext cx="720000" cy="663415"/>
+          </a:xfrm>
+          <a:prstGeom prst="rect">
+            <a:avLst/>
+          </a:prstGeom>
         </p:spPr>
       </p:pic>
     </p:spTree>

--- a/Introduction-to-R-dataAnalysis.pptx
+++ b/Introduction-to-R-dataAnalysis.pptx
@@ -9850,27 +9850,67 @@
                 <a:spcPts val="1200"/>
               </a:spcAft>
             </a:pPr>
-            <a:r>
-              <a:rPr lang="en-GB" i="1" dirty="0"/>
-              <a:t>Introduction to </a:t>
-            </a:r>
-            <a:r>
-              <a:rPr lang="en-GB" i="1" dirty="0" err="1"/>
-              <a:t>data.table</a:t>
-            </a:r>
+            <a:endParaRPr lang="en-GB" dirty="0"/>
+          </a:p>
+          <a:p>
+            <a:pPr>
+              <a:lnSpc>
+                <a:spcPct val="100000"/>
+              </a:lnSpc>
+              <a:spcBef>
+                <a:spcPts val="600"/>
+              </a:spcBef>
+              <a:spcAft>
+                <a:spcPts val="1200"/>
+              </a:spcAft>
+            </a:pPr>
+            <a:endParaRPr lang="en-GB" dirty="0"/>
+          </a:p>
+          <a:p>
+            <a:pPr>
+              <a:lnSpc>
+                <a:spcPct val="100000"/>
+              </a:lnSpc>
+              <a:spcBef>
+                <a:spcPts val="600"/>
+              </a:spcBef>
+              <a:spcAft>
+                <a:spcPts val="1200"/>
+              </a:spcAft>
+            </a:pPr>
+            <a:endParaRPr lang="en-GB" dirty="0"/>
+          </a:p>
+          <a:p>
+            <a:pPr>
+              <a:lnSpc>
+                <a:spcPct val="100000"/>
+              </a:lnSpc>
+              <a:spcBef>
+                <a:spcPts val="600"/>
+              </a:spcBef>
+              <a:spcAft>
+                <a:spcPts val="1200"/>
+              </a:spcAft>
+            </a:pPr>
             <a:r>
               <a:rPr lang="en-GB" dirty="0"/>
-              <a:t>. (2018). </a:t>
+              <a:t>Hint: Learn to use Google and </a:t>
             </a:r>
             <a:r>
               <a:rPr lang="en-GB" dirty="0">
-                <a:hlinkClick r:id="rId2"/>
+                <a:hlinkClick r:id="rId2">
+                  <a:extLst>
+                    <a:ext uri="{A12FA001-AC4F-418D-AE19-62706E023703}">
+                      <ahyp:hlinkClr xmlns:ahyp="http://schemas.microsoft.com/office/drawing/2018/hyperlinkcolor" val="tx"/>
+                    </a:ext>
+                  </a:extLst>
+                </a:hlinkClick>
               </a:rPr>
-              <a:t>https://cran.r-project.org/web/packages/data.table/vignettes/datatable-intro.html</a:t>
+              <a:t>https://stackoverflow.com</a:t>
             </a:r>
             <a:r>
               <a:rPr lang="en-GB" dirty="0"/>
-              <a:t> </a:t>
+              <a:t> for finding solutions for R problems. Any problem we might have, someone else already answered online!</a:t>
             </a:r>
           </a:p>
         </p:txBody>
@@ -10017,32 +10057,47 @@
       </p:pic>
       <p:pic>
         <p:nvPicPr>
-          <p:cNvPr id="3" name="Picture 2">
+          <p:cNvPr id="1026" name="Picture 2" descr="Image result for Stackoverflow logo">
             <a:extLst>
               <a:ext uri="{FF2B5EF4-FFF2-40B4-BE49-F238E27FC236}">
-                <a16:creationId xmlns:a16="http://schemas.microsoft.com/office/drawing/2014/main" id="{0E0C5BF6-32B3-4149-9483-8887852F273D}"/>
+                <a16:creationId xmlns:a16="http://schemas.microsoft.com/office/drawing/2014/main" id="{411CEF73-CB1C-4571-8E89-D46373FA6D51}"/>
               </a:ext>
             </a:extLst>
           </p:cNvPr>
           <p:cNvPicPr>
-            <a:picLocks noChangeAspect="1"/>
+            <a:picLocks noChangeAspect="1" noChangeArrowheads="1"/>
           </p:cNvPicPr>
           <p:nvPr/>
         </p:nvPicPr>
-        <p:blipFill>
-          <a:blip r:embed="rId5"/>
-          <a:stretch>
-            <a:fillRect/>
-          </a:stretch>
+        <p:blipFill rotWithShape="1">
+          <a:blip r:embed="rId5">
+            <a:extLst>
+              <a:ext uri="{28A0092B-C50C-407E-A947-70E740481C1C}">
+                <a14:useLocalDpi xmlns:a14="http://schemas.microsoft.com/office/drawing/2010/main" val="0"/>
+              </a:ext>
+            </a:extLst>
+          </a:blip>
+          <a:srcRect l="14097" t="13827" r="22935" b="14926"/>
+          <a:stretch/>
         </p:blipFill>
-        <p:spPr>
+        <p:spPr bwMode="auto">
           <a:xfrm>
-            <a:off x="315911" y="4200900"/>
-            <a:ext cx="720000" cy="663415"/>
+            <a:off x="315910" y="5456342"/>
+            <a:ext cx="720000" cy="814647"/>
           </a:xfrm>
           <a:prstGeom prst="rect">
             <a:avLst/>
           </a:prstGeom>
+          <a:noFill/>
+          <a:extLst>
+            <a:ext uri="{909E8E84-426E-40DD-AFC4-6F175D3DCCD1}">
+              <a14:hiddenFill xmlns:a14="http://schemas.microsoft.com/office/drawing/2010/main">
+                <a:solidFill>
+                  <a:srgbClr val="FFFFFF"/>
+                </a:solidFill>
+              </a14:hiddenFill>
+            </a:ext>
+          </a:extLst>
         </p:spPr>
       </p:pic>
     </p:spTree>
